--- a/vault-consul/delivery/04__Vault_configuration.pptx
+++ b/vault-consul/delivery/04__Vault_configuration.pptx
@@ -13389,7 +13389,7 @@
           <a:lstStyle/>
           <a:p>
             <a:r>
-              <a:t>Database Root Credential Rotation - challenge</a:t>
+              <a:t>Root Credential Rotation - challenge</a:t>
             </a:r>
           </a:p>
         </p:txBody>
@@ -13855,7 +13855,7 @@
           <a:lstStyle/>
           <a:p>
             <a:r>
-              <a:t>Database Static Roles and Credential Rotation</a:t>
+              <a:t>Static Roles and Credential Rotation</a:t>
             </a:r>
           </a:p>
         </p:txBody>
@@ -13957,13 +13957,20 @@
             <p:ph type="title"/>
           </p:nvPr>
         </p:nvSpPr>
-        <p:spPr/>
-        <p:txBody>
-          <a:bodyPr/>
-          <a:lstStyle/>
-          <a:p>
-            <a:r>
-              <a:t>Database Static Roles and Credential Rotation - solution</a:t>
+        <p:spPr>
+          <a:xfrm>
+            <a:off x="15875" y="0"/>
+            <a:ext cx="9356725" cy="835660"/>
+          </a:xfrm>
+        </p:spPr>
+        <p:txBody>
+          <a:bodyPr>
+            <a:normAutofit/>
+          </a:bodyPr>
+          <a:lstStyle/>
+          <a:p>
+            <a:r>
+              <a:t>Static Roles and Credential Rotation - solution</a:t>
             </a:r>
           </a:p>
         </p:txBody>
